--- a/Capstone Project I.pptx
+++ b/Capstone Project I.pptx
@@ -19,6 +19,7 @@
     <p:sldId id="264" r:id="rId13"/>
     <p:sldId id="269" r:id="rId14"/>
     <p:sldId id="270" r:id="rId15"/>
+    <p:sldId id="271" r:id="rId16"/>
   </p:sldIdLst>
   <p:sldSz cx="12192000" cy="6858000"/>
   <p:notesSz cx="6858000" cy="9144000"/>
@@ -2941,7 +2942,7 @@
           </a:lstStyle>
           <a:p>
             <a:r>
-              <a:rPr lang="pt-PT"/>
+              <a:rPr lang="pt-PT" dirty="0"/>
               <a:t>Clique no ícone para adicionar uma imagem</a:t>
             </a:r>
             <a:endParaRPr lang="en-US" dirty="0"/>
@@ -5270,8 +5271,8 @@
         </p:nvSpPr>
         <p:spPr>
           <a:xfrm>
-            <a:off x="7524253" y="599723"/>
-            <a:ext cx="4224723" cy="6141317"/>
+            <a:off x="7524253" y="709214"/>
+            <a:ext cx="4224723" cy="5922333"/>
           </a:xfrm>
         </p:spPr>
         <p:txBody>
@@ -5281,9 +5282,6 @@
           <a:lstStyle/>
           <a:p>
             <a:pPr algn="ctr"/>
-            <a:br>
-              <a:rPr lang="pt-PT" dirty="0"/>
-            </a:br>
             <a:r>
               <a:rPr lang="pt-PT" sz="2200" dirty="0" err="1">
                 <a:solidFill>
@@ -5849,13 +5847,7 @@
               <a:t>mark</a:t>
             </a:r>
             <a:br>
-              <a:rPr lang="pt-PT" sz="1600" dirty="0"/>
-            </a:br>
-            <a:br>
-              <a:rPr lang="pt-PT" sz="1600" dirty="0"/>
-            </a:br>
-            <a:br>
-              <a:rPr lang="pt-PT" sz="1600" dirty="0"/>
+              <a:rPr lang="pt-PT" sz="1800" dirty="0"/>
             </a:br>
             <a:endParaRPr lang="pt-PT" sz="1600" dirty="0"/>
           </a:p>
@@ -5882,8 +5874,8 @@
         </p:blipFill>
         <p:spPr>
           <a:xfrm>
-            <a:off x="443024" y="599723"/>
-            <a:ext cx="6872176" cy="6385868"/>
+            <a:off x="443024" y="709214"/>
+            <a:ext cx="6797748" cy="5922333"/>
           </a:xfrm>
           <a:prstGeom prst="rect">
             <a:avLst/>
@@ -5895,6 +5887,72 @@
     <p:extLst>
       <p:ext uri="{BB962C8B-B14F-4D97-AF65-F5344CB8AC3E}">
         <p14:creationId xmlns:p14="http://schemas.microsoft.com/office/powerpoint/2010/main" val="1830507959"/>
+      </p:ext>
+    </p:extLst>
+  </p:cSld>
+  <p:clrMapOvr>
+    <a:masterClrMapping/>
+  </p:clrMapOvr>
+</p:sld>
+</file>
+
+<file path=ppt/slides/slide15.xml><?xml version="1.0" encoding="utf-8"?>
+<p:sld xmlns:a="http://schemas.openxmlformats.org/drawingml/2006/main" xmlns:r="http://schemas.openxmlformats.org/officeDocument/2006/relationships" xmlns:p="http://schemas.openxmlformats.org/presentationml/2006/main">
+  <p:cSld>
+    <p:spTree>
+      <p:nvGrpSpPr>
+        <p:cNvPr id="1" name=""/>
+        <p:cNvGrpSpPr/>
+        <p:nvPr/>
+      </p:nvGrpSpPr>
+      <p:grpSpPr>
+        <a:xfrm>
+          <a:off x="0" y="0"/>
+          <a:ext cx="0" cy="0"/>
+          <a:chOff x="0" y="0"/>
+          <a:chExt cx="0" cy="0"/>
+        </a:xfrm>
+      </p:grpSpPr>
+      <p:sp>
+        <p:nvSpPr>
+          <p:cNvPr id="2" name="CaixaDeTexto 1">
+            <a:extLst>
+              <a:ext uri="{FF2B5EF4-FFF2-40B4-BE49-F238E27FC236}">
+                <a16:creationId xmlns:a16="http://schemas.microsoft.com/office/drawing/2014/main" id="{6186CE5B-647B-40C5-B03C-DEAC2F895AA9}"/>
+              </a:ext>
+            </a:extLst>
+          </p:cNvPr>
+          <p:cNvSpPr txBox="1"/>
+          <p:nvPr/>
+        </p:nvSpPr>
+        <p:spPr>
+          <a:xfrm>
+            <a:off x="3740888" y="3167390"/>
+            <a:ext cx="4710224" cy="523220"/>
+          </a:xfrm>
+          <a:prstGeom prst="rect">
+            <a:avLst/>
+          </a:prstGeom>
+          <a:noFill/>
+        </p:spPr>
+        <p:txBody>
+          <a:bodyPr wrap="square" rtlCol="0">
+            <a:spAutoFit/>
+          </a:bodyPr>
+          <a:lstStyle/>
+          <a:p>
+            <a:pPr algn="ctr"/>
+            <a:r>
+              <a:rPr lang="pt-PT" sz="2800" dirty="0"/>
+              <a:t>END</a:t>
+            </a:r>
+          </a:p>
+        </p:txBody>
+      </p:sp>
+    </p:spTree>
+    <p:extLst>
+      <p:ext uri="{BB962C8B-B14F-4D97-AF65-F5344CB8AC3E}">
+        <p14:creationId xmlns:p14="http://schemas.microsoft.com/office/powerpoint/2010/main" val="2343575864"/>
       </p:ext>
     </p:extLst>
   </p:cSld>
